--- a/Samples/timwingfield/Getting-Started-With-MVC/Getting Started with MVC.pptx
+++ b/Samples/timwingfield/Getting-Started-With-MVC/Getting Started with MVC.pptx
@@ -5,36 +5,37 @@
     <p:sldMasterId id="2147483672" r:id="rId1"/>
   </p:sldMasterIdLst>
   <p:notesMasterIdLst>
-    <p:notesMasterId r:id="rId29"/>
+    <p:notesMasterId r:id="rId30"/>
   </p:notesMasterIdLst>
   <p:sldIdLst>
     <p:sldId id="256" r:id="rId2"/>
     <p:sldId id="285" r:id="rId3"/>
-    <p:sldId id="284" r:id="rId4"/>
-    <p:sldId id="262" r:id="rId5"/>
-    <p:sldId id="286" r:id="rId6"/>
-    <p:sldId id="287" r:id="rId7"/>
-    <p:sldId id="288" r:id="rId8"/>
-    <p:sldId id="290" r:id="rId9"/>
-    <p:sldId id="291" r:id="rId10"/>
-    <p:sldId id="292" r:id="rId11"/>
-    <p:sldId id="293" r:id="rId12"/>
-    <p:sldId id="289" r:id="rId13"/>
-    <p:sldId id="273" r:id="rId14"/>
-    <p:sldId id="274" r:id="rId15"/>
-    <p:sldId id="275" r:id="rId16"/>
-    <p:sldId id="294" r:id="rId17"/>
-    <p:sldId id="269" r:id="rId18"/>
-    <p:sldId id="270" r:id="rId19"/>
-    <p:sldId id="295" r:id="rId20"/>
-    <p:sldId id="268" r:id="rId21"/>
-    <p:sldId id="271" r:id="rId22"/>
-    <p:sldId id="277" r:id="rId23"/>
-    <p:sldId id="278" r:id="rId24"/>
-    <p:sldId id="282" r:id="rId25"/>
-    <p:sldId id="264" r:id="rId26"/>
-    <p:sldId id="265" r:id="rId27"/>
-    <p:sldId id="266" r:id="rId28"/>
+    <p:sldId id="296" r:id="rId4"/>
+    <p:sldId id="284" r:id="rId5"/>
+    <p:sldId id="262" r:id="rId6"/>
+    <p:sldId id="286" r:id="rId7"/>
+    <p:sldId id="287" r:id="rId8"/>
+    <p:sldId id="288" r:id="rId9"/>
+    <p:sldId id="290" r:id="rId10"/>
+    <p:sldId id="291" r:id="rId11"/>
+    <p:sldId id="292" r:id="rId12"/>
+    <p:sldId id="293" r:id="rId13"/>
+    <p:sldId id="289" r:id="rId14"/>
+    <p:sldId id="273" r:id="rId15"/>
+    <p:sldId id="274" r:id="rId16"/>
+    <p:sldId id="275" r:id="rId17"/>
+    <p:sldId id="294" r:id="rId18"/>
+    <p:sldId id="269" r:id="rId19"/>
+    <p:sldId id="270" r:id="rId20"/>
+    <p:sldId id="295" r:id="rId21"/>
+    <p:sldId id="268" r:id="rId22"/>
+    <p:sldId id="271" r:id="rId23"/>
+    <p:sldId id="277" r:id="rId24"/>
+    <p:sldId id="278" r:id="rId25"/>
+    <p:sldId id="282" r:id="rId26"/>
+    <p:sldId id="264" r:id="rId27"/>
+    <p:sldId id="265" r:id="rId28"/>
+    <p:sldId id="266" r:id="rId29"/>
   </p:sldIdLst>
   <p:sldSz cx="9144000" cy="6858000" type="screen4x3"/>
   <p:notesSz cx="6858000" cy="9144000"/>
@@ -219,7 +220,7 @@
             <a:fld id="{B8B43353-CC08-4841-A32F-CA9CB26E48DD}" type="datetimeFigureOut">
               <a:rPr lang="en-US" smtClean="0"/>
               <a:pPr/>
-              <a:t>6/25/2008</a:t>
+              <a:t>10/6/2009</a:t>
             </a:fld>
             <a:endParaRPr lang="en-US"/>
           </a:p>
@@ -708,7 +709,7 @@
             <a:fld id="{F8007F4E-10F5-4104-9EF8-E98D370060A3}" type="slidenum">
               <a:rPr lang="en-US" smtClean="0"/>
               <a:pPr/>
-              <a:t>12</a:t>
+              <a:t>13</a:t>
             </a:fld>
             <a:endParaRPr lang="en-US"/>
           </a:p>
@@ -837,7 +838,7 @@
             <a:fld id="{F8007F4E-10F5-4104-9EF8-E98D370060A3}" type="slidenum">
               <a:rPr lang="en-US" smtClean="0"/>
               <a:pPr/>
-              <a:t>13</a:t>
+              <a:t>14</a:t>
             </a:fld>
             <a:endParaRPr lang="en-US"/>
           </a:p>
@@ -997,7 +998,7 @@
             <a:fld id="{F8007F4E-10F5-4104-9EF8-E98D370060A3}" type="slidenum">
               <a:rPr lang="en-US" smtClean="0"/>
               <a:pPr/>
-              <a:t>14</a:t>
+              <a:t>15</a:t>
             </a:fld>
             <a:endParaRPr lang="en-US"/>
           </a:p>
@@ -1140,8 +1141,23 @@
             </a:pPr>
             <a:r>
               <a:rPr lang="en-US" baseline="0" dirty="0" smtClean="0"/>
-              <a:t>No way to fake or mock those classes</a:t>
-            </a:r>
+              <a:t>No way to fake or mock those </a:t>
+            </a:r>
+            <a:r>
+              <a:rPr lang="en-US" baseline="0" dirty="0" smtClean="0"/>
+              <a:t>classes</a:t>
+            </a:r>
+          </a:p>
+          <a:p>
+            <a:pPr marL="228600" indent="-228600">
+              <a:buFont typeface="+mj-lt"/>
+              <a:buAutoNum type="arabicPeriod"/>
+            </a:pPr>
+            <a:r>
+              <a:rPr lang="en-US" baseline="0" dirty="0" smtClean="0"/>
+              <a:t>Best opportunity for testing is with functional tests.</a:t>
+            </a:r>
+            <a:endParaRPr lang="en-US" baseline="0" dirty="0" smtClean="0"/>
           </a:p>
           <a:p>
             <a:pPr marL="228600" indent="-228600">
@@ -1180,7 +1196,7 @@
             <a:fld id="{F8007F4E-10F5-4104-9EF8-E98D370060A3}" type="slidenum">
               <a:rPr lang="en-US" smtClean="0"/>
               <a:pPr/>
-              <a:t>15</a:t>
+              <a:t>16</a:t>
             </a:fld>
             <a:endParaRPr lang="en-US"/>
           </a:p>
@@ -1326,7 +1342,7 @@
             <a:fld id="{F8007F4E-10F5-4104-9EF8-E98D370060A3}" type="slidenum">
               <a:rPr lang="en-US" smtClean="0"/>
               <a:pPr/>
-              <a:t>16</a:t>
+              <a:t>17</a:t>
             </a:fld>
             <a:endParaRPr lang="en-US"/>
           </a:p>
@@ -1416,8 +1432,8 @@
               <a:t>Single </a:t>
             </a:r>
             <a:r>
-              <a:rPr lang="en-US" baseline="0" dirty="0" err="1" smtClean="0"/>
-              <a:t>Responsibilty</a:t>
+              <a:rPr lang="en-US" baseline="0" dirty="0" smtClean="0"/>
+              <a:t>Responsibility</a:t>
             </a:r>
             <a:endParaRPr lang="en-US" baseline="0" dirty="0" smtClean="0"/>
           </a:p>
@@ -1476,7 +1492,7 @@
             <a:fld id="{F8007F4E-10F5-4104-9EF8-E98D370060A3}" type="slidenum">
               <a:rPr lang="en-US" smtClean="0"/>
               <a:pPr/>
-              <a:t>17</a:t>
+              <a:t>18</a:t>
             </a:fld>
             <a:endParaRPr lang="en-US"/>
           </a:p>
@@ -1638,7 +1654,7 @@
             <a:fld id="{F8007F4E-10F5-4104-9EF8-E98D370060A3}" type="slidenum">
               <a:rPr lang="en-US" smtClean="0"/>
               <a:pPr/>
-              <a:t>18</a:t>
+              <a:t>19</a:t>
             </a:fld>
             <a:endParaRPr lang="en-US"/>
           </a:p>
@@ -1785,7 +1801,7 @@
             <a:fld id="{F8007F4E-10F5-4104-9EF8-E98D370060A3}" type="slidenum">
               <a:rPr lang="en-US" smtClean="0"/>
               <a:pPr/>
-              <a:t>19</a:t>
+              <a:t>20</a:t>
             </a:fld>
             <a:endParaRPr lang="en-US"/>
           </a:p>
@@ -1925,7 +1941,7 @@
             <a:fld id="{F8007F4E-10F5-4104-9EF8-E98D370060A3}" type="slidenum">
               <a:rPr lang="en-US" smtClean="0"/>
               <a:pPr/>
-              <a:t>20</a:t>
+              <a:t>21</a:t>
             </a:fld>
             <a:endParaRPr lang="en-US"/>
           </a:p>
@@ -2091,7 +2107,7 @@
             <a:fld id="{F8007F4E-10F5-4104-9EF8-E98D370060A3}" type="slidenum">
               <a:rPr lang="en-US" smtClean="0"/>
               <a:pPr/>
-              <a:t>21</a:t>
+              <a:t>22</a:t>
             </a:fld>
             <a:endParaRPr lang="en-US"/>
           </a:p>
@@ -2344,7 +2360,7 @@
             <a:fld id="{F8007F4E-10F5-4104-9EF8-E98D370060A3}" type="slidenum">
               <a:rPr lang="en-US" smtClean="0"/>
               <a:pPr/>
-              <a:t>22</a:t>
+              <a:t>23</a:t>
             </a:fld>
             <a:endParaRPr lang="en-US"/>
           </a:p>
@@ -2487,7 +2503,7 @@
             <a:fld id="{F8007F4E-10F5-4104-9EF8-E98D370060A3}" type="slidenum">
               <a:rPr lang="en-US" smtClean="0"/>
               <a:pPr/>
-              <a:t>23</a:t>
+              <a:t>24</a:t>
             </a:fld>
             <a:endParaRPr lang="en-US"/>
           </a:p>
@@ -2660,7 +2676,7 @@
             <a:fld id="{F8007F4E-10F5-4104-9EF8-E98D370060A3}" type="slidenum">
               <a:rPr lang="en-US" smtClean="0"/>
               <a:pPr/>
-              <a:t>24</a:t>
+              <a:t>25</a:t>
             </a:fld>
             <a:endParaRPr lang="en-US"/>
           </a:p>
@@ -2762,7 +2778,7 @@
             <a:fld id="{F8007F4E-10F5-4104-9EF8-E98D370060A3}" type="slidenum">
               <a:rPr lang="en-US" smtClean="0"/>
               <a:pPr/>
-              <a:t>25</a:t>
+              <a:t>26</a:t>
             </a:fld>
             <a:endParaRPr lang="en-US"/>
           </a:p>
@@ -2844,7 +2860,7 @@
             <a:fld id="{F8007F4E-10F5-4104-9EF8-E98D370060A3}" type="slidenum">
               <a:rPr lang="en-US" smtClean="0"/>
               <a:pPr/>
-              <a:t>26</a:t>
+              <a:t>27</a:t>
             </a:fld>
             <a:endParaRPr lang="en-US"/>
           </a:p>
@@ -2926,7 +2942,7 @@
             <a:fld id="{F8007F4E-10F5-4104-9EF8-E98D370060A3}" type="slidenum">
               <a:rPr lang="en-US" smtClean="0"/>
               <a:pPr/>
-              <a:t>27</a:t>
+              <a:t>28</a:t>
             </a:fld>
             <a:endParaRPr lang="en-US"/>
           </a:p>
@@ -3028,7 +3044,7 @@
             <a:fld id="{F8007F4E-10F5-4104-9EF8-E98D370060A3}" type="slidenum">
               <a:rPr lang="en-US" smtClean="0"/>
               <a:pPr/>
-              <a:t>3</a:t>
+              <a:t>4</a:t>
             </a:fld>
             <a:endParaRPr lang="en-US"/>
           </a:p>
@@ -3129,7 +3145,7 @@
             <a:fld id="{F8007F4E-10F5-4104-9EF8-E98D370060A3}" type="slidenum">
               <a:rPr lang="en-US" smtClean="0"/>
               <a:pPr/>
-              <a:t>4</a:t>
+              <a:t>5</a:t>
             </a:fld>
             <a:endParaRPr lang="en-US"/>
           </a:p>
@@ -3245,7 +3261,7 @@
             <a:fld id="{F8007F4E-10F5-4104-9EF8-E98D370060A3}" type="slidenum">
               <a:rPr lang="en-US" smtClean="0"/>
               <a:pPr/>
-              <a:t>5</a:t>
+              <a:t>6</a:t>
             </a:fld>
             <a:endParaRPr lang="en-US"/>
           </a:p>
@@ -3351,7 +3367,7 @@
             <a:fld id="{F8007F4E-10F5-4104-9EF8-E98D370060A3}" type="slidenum">
               <a:rPr lang="en-US" smtClean="0"/>
               <a:pPr/>
-              <a:t>6</a:t>
+              <a:t>7</a:t>
             </a:fld>
             <a:endParaRPr lang="en-US"/>
           </a:p>
@@ -3473,7 +3489,7 @@
             <a:fld id="{F8007F4E-10F5-4104-9EF8-E98D370060A3}" type="slidenum">
               <a:rPr lang="en-US" smtClean="0"/>
               <a:pPr/>
-              <a:t>7</a:t>
+              <a:t>8</a:t>
             </a:fld>
             <a:endParaRPr lang="en-US"/>
           </a:p>
@@ -3566,7 +3582,7 @@
             <a:fld id="{F8007F4E-10F5-4104-9EF8-E98D370060A3}" type="slidenum">
               <a:rPr lang="en-US" smtClean="0"/>
               <a:pPr/>
-              <a:t>9</a:t>
+              <a:t>10</a:t>
             </a:fld>
             <a:endParaRPr lang="en-US"/>
           </a:p>
@@ -3652,7 +3668,7 @@
             <a:fld id="{F8007F4E-10F5-4104-9EF8-E98D370060A3}" type="slidenum">
               <a:rPr lang="en-US" smtClean="0"/>
               <a:pPr/>
-              <a:t>10</a:t>
+              <a:t>11</a:t>
             </a:fld>
             <a:endParaRPr lang="en-US"/>
           </a:p>
@@ -3703,7 +3719,7 @@
             <a:fld id="{1D8BD707-D9CF-40AE-B4C6-C98DA3205C09}" type="datetimeFigureOut">
               <a:rPr lang="en-US" smtClean="0"/>
               <a:pPr/>
-              <a:t>6/25/2008</a:t>
+              <a:t>10/6/2009</a:t>
             </a:fld>
             <a:endParaRPr lang="en-US"/>
           </a:p>
@@ -4174,7 +4190,7 @@
             <a:fld id="{1D8BD707-D9CF-40AE-B4C6-C98DA3205C09}" type="datetimeFigureOut">
               <a:rPr lang="en-US" smtClean="0"/>
               <a:pPr/>
-              <a:t>6/25/2008</a:t>
+              <a:t>10/6/2009</a:t>
             </a:fld>
             <a:endParaRPr lang="en-US"/>
           </a:p>
@@ -4361,7 +4377,7 @@
             <a:fld id="{1D8BD707-D9CF-40AE-B4C6-C98DA3205C09}" type="datetimeFigureOut">
               <a:rPr lang="en-US" smtClean="0"/>
               <a:pPr/>
-              <a:t>6/25/2008</a:t>
+              <a:t>10/6/2009</a:t>
             </a:fld>
             <a:endParaRPr lang="en-US"/>
           </a:p>
@@ -4538,7 +4554,7 @@
             <a:fld id="{1D8BD707-D9CF-40AE-B4C6-C98DA3205C09}" type="datetimeFigureOut">
               <a:rPr lang="en-US" smtClean="0"/>
               <a:pPr/>
-              <a:t>6/25/2008</a:t>
+              <a:t>10/6/2009</a:t>
             </a:fld>
             <a:endParaRPr lang="en-US"/>
           </a:p>
@@ -6023,7 +6039,7 @@
             <a:fld id="{1D8BD707-D9CF-40AE-B4C6-C98DA3205C09}" type="datetimeFigureOut">
               <a:rPr lang="en-US" smtClean="0"/>
               <a:pPr/>
-              <a:t>6/25/2008</a:t>
+              <a:t>10/6/2009</a:t>
             </a:fld>
             <a:endParaRPr lang="en-US"/>
           </a:p>
@@ -6625,7 +6641,7 @@
             <a:fld id="{1D8BD707-D9CF-40AE-B4C6-C98DA3205C09}" type="datetimeFigureOut">
               <a:rPr lang="en-US" smtClean="0"/>
               <a:pPr/>
-              <a:t>6/25/2008</a:t>
+              <a:t>10/6/2009</a:t>
             </a:fld>
             <a:endParaRPr lang="en-US"/>
           </a:p>
@@ -7064,7 +7080,7 @@
             <a:fld id="{1D8BD707-D9CF-40AE-B4C6-C98DA3205C09}" type="datetimeFigureOut">
               <a:rPr lang="en-US" smtClean="0"/>
               <a:pPr/>
-              <a:t>6/25/2008</a:t>
+              <a:t>10/6/2009</a:t>
             </a:fld>
             <a:endParaRPr lang="en-US"/>
           </a:p>
@@ -7627,7 +7643,7 @@
             <a:fld id="{1D8BD707-D9CF-40AE-B4C6-C98DA3205C09}" type="datetimeFigureOut">
               <a:rPr lang="en-US" smtClean="0"/>
               <a:pPr/>
-              <a:t>6/25/2008</a:t>
+              <a:t>10/6/2009</a:t>
             </a:fld>
             <a:endParaRPr lang="en-US"/>
           </a:p>
@@ -7725,7 +7741,7 @@
             <a:fld id="{1D8BD707-D9CF-40AE-B4C6-C98DA3205C09}" type="datetimeFigureOut">
               <a:rPr lang="en-US" smtClean="0"/>
               <a:pPr/>
-              <a:t>6/25/2008</a:t>
+              <a:t>10/6/2009</a:t>
             </a:fld>
             <a:endParaRPr lang="en-US"/>
           </a:p>
@@ -7981,7 +7997,7 @@
             <a:fld id="{1D8BD707-D9CF-40AE-B4C6-C98DA3205C09}" type="datetimeFigureOut">
               <a:rPr lang="en-US" smtClean="0"/>
               <a:pPr/>
-              <a:t>6/25/2008</a:t>
+              <a:t>10/6/2009</a:t>
             </a:fld>
             <a:endParaRPr lang="en-US"/>
           </a:p>
@@ -8704,7 +8720,7 @@
             <a:fld id="{1D8BD707-D9CF-40AE-B4C6-C98DA3205C09}" type="datetimeFigureOut">
               <a:rPr lang="en-US" smtClean="0"/>
               <a:pPr/>
-              <a:t>6/25/2008</a:t>
+              <a:t>10/6/2009</a:t>
             </a:fld>
             <a:endParaRPr lang="en-US"/>
           </a:p>
@@ -9131,7 +9147,7 @@
             <a:fld id="{1D8BD707-D9CF-40AE-B4C6-C98DA3205C09}" type="datetimeFigureOut">
               <a:rPr lang="en-US" smtClean="0"/>
               <a:pPr/>
-              <a:t>6/25/2008</a:t>
+              <a:t>10/6/2009</a:t>
             </a:fld>
             <a:endParaRPr lang="en-US"/>
           </a:p>
@@ -9579,7 +9595,15 @@
           <a:p>
             <a:r>
               <a:rPr lang="en-US" dirty="0" smtClean="0"/>
-              <a:t>Tim Wingfield</a:t>
+              <a:t>Tim </a:t>
+            </a:r>
+            <a:r>
+              <a:rPr lang="en-US" dirty="0" err="1" smtClean="0"/>
+              <a:t>Wingfield</a:t>
+            </a:r>
+            <a:r>
+              <a:rPr lang="en-US" dirty="0" smtClean="0"/>
+              <a:t> &amp; Steve Horn</a:t>
             </a:r>
             <a:endParaRPr lang="en-US" dirty="0"/>
           </a:p>
@@ -9601,6 +9625,116 @@
 </file>
 
 <file path=ppt/slides/slide10.xml><?xml version="1.0" encoding="utf-8"?>
+<p:sld xmlns:a="http://schemas.openxmlformats.org/drawingml/2006/main" xmlns:r="http://schemas.openxmlformats.org/officeDocument/2006/relationships" xmlns:p="http://schemas.openxmlformats.org/presentationml/2006/main">
+  <p:cSld>
+    <p:spTree>
+      <p:nvGrpSpPr>
+        <p:cNvPr id="1" name=""/>
+        <p:cNvGrpSpPr/>
+        <p:nvPr/>
+      </p:nvGrpSpPr>
+      <p:grpSpPr>
+        <a:xfrm>
+          <a:off x="0" y="0"/>
+          <a:ext cx="0" cy="0"/>
+          <a:chOff x="0" y="0"/>
+          <a:chExt cx="0" cy="0"/>
+        </a:xfrm>
+      </p:grpSpPr>
+      <p:pic>
+        <p:nvPicPr>
+          <p:cNvPr id="2" name="Picture 13" descr="C:\Users\Tim\Pictures\presentation graphics\mvc getting started\php_logo.png"/>
+          <p:cNvPicPr>
+            <a:picLocks noChangeAspect="1" noChangeArrowheads="1"/>
+          </p:cNvPicPr>
+          <p:nvPr/>
+        </p:nvPicPr>
+        <p:blipFill>
+          <a:blip r:embed="rId3"/>
+          <a:srcRect/>
+          <a:stretch>
+            <a:fillRect/>
+          </a:stretch>
+        </p:blipFill>
+        <p:spPr bwMode="auto">
+          <a:xfrm>
+            <a:off x="533400" y="609600"/>
+            <a:ext cx="3617088" cy="1905000"/>
+          </a:xfrm>
+          <a:prstGeom prst="rect">
+            <a:avLst/>
+          </a:prstGeom>
+          <a:noFill/>
+        </p:spPr>
+      </p:pic>
+      <p:pic>
+        <p:nvPicPr>
+          <p:cNvPr id="3" name="Picture 14" descr="C:\Users\Tim\Pictures\presentation graphics\mvc getting started\cake-logo.png"/>
+          <p:cNvPicPr>
+            <a:picLocks noChangeAspect="1" noChangeArrowheads="1"/>
+          </p:cNvPicPr>
+          <p:nvPr/>
+        </p:nvPicPr>
+        <p:blipFill>
+          <a:blip r:embed="rId4"/>
+          <a:srcRect/>
+          <a:stretch>
+            <a:fillRect/>
+          </a:stretch>
+        </p:blipFill>
+        <p:spPr bwMode="auto">
+          <a:xfrm>
+            <a:off x="6019800" y="1295400"/>
+            <a:ext cx="1905000" cy="1905000"/>
+          </a:xfrm>
+          <a:prstGeom prst="rect">
+            <a:avLst/>
+          </a:prstGeom>
+          <a:noFill/>
+        </p:spPr>
+      </p:pic>
+      <p:pic>
+        <p:nvPicPr>
+          <p:cNvPr id="4" name="Picture 15" descr="C:\Users\Tim\Pictures\presentation graphics\mvc getting started\zend_framework_logo.png"/>
+          <p:cNvPicPr>
+            <a:picLocks noChangeAspect="1" noChangeArrowheads="1"/>
+          </p:cNvPicPr>
+          <p:nvPr/>
+        </p:nvPicPr>
+        <p:blipFill>
+          <a:blip r:embed="rId5"/>
+          <a:srcRect/>
+          <a:stretch>
+            <a:fillRect/>
+          </a:stretch>
+        </p:blipFill>
+        <p:spPr bwMode="auto">
+          <a:xfrm>
+            <a:off x="6096000" y="3657600"/>
+            <a:ext cx="2362200" cy="1240383"/>
+          </a:xfrm>
+          <a:prstGeom prst="rect">
+            <a:avLst/>
+          </a:prstGeom>
+          <a:noFill/>
+        </p:spPr>
+      </p:pic>
+    </p:spTree>
+  </p:cSld>
+  <p:clrMapOvr>
+    <a:masterClrMapping/>
+  </p:clrMapOvr>
+  <p:timing>
+    <p:tnLst>
+      <p:par>
+        <p:cTn id="1" dur="indefinite" restart="never" nodeType="tmRoot"/>
+      </p:par>
+    </p:tnLst>
+  </p:timing>
+</p:sld>
+</file>
+
+<file path=ppt/slides/slide11.xml><?xml version="1.0" encoding="utf-8"?>
 <p:sld xmlns:a="http://schemas.openxmlformats.org/drawingml/2006/main" xmlns:r="http://schemas.openxmlformats.org/officeDocument/2006/relationships" xmlns:p="http://schemas.openxmlformats.org/presentationml/2006/main">
   <p:cSld>
     <p:spTree>
@@ -9710,7 +9844,7 @@
 </p:sld>
 </file>
 
-<file path=ppt/slides/slide11.xml><?xml version="1.0" encoding="utf-8"?>
+<file path=ppt/slides/slide12.xml><?xml version="1.0" encoding="utf-8"?>
 <p:sld xmlns:a="http://schemas.openxmlformats.org/drawingml/2006/main" xmlns:r="http://schemas.openxmlformats.org/officeDocument/2006/relationships" xmlns:p="http://schemas.openxmlformats.org/presentationml/2006/main">
   <p:cSld>
     <p:spTree>
@@ -9794,7 +9928,7 @@
 </p:sld>
 </file>
 
-<file path=ppt/slides/slide12.xml><?xml version="1.0" encoding="utf-8"?>
+<file path=ppt/slides/slide13.xml><?xml version="1.0" encoding="utf-8"?>
 <p:sld xmlns:a="http://schemas.openxmlformats.org/drawingml/2006/main" xmlns:r="http://schemas.openxmlformats.org/officeDocument/2006/relationships" xmlns:p="http://schemas.openxmlformats.org/presentationml/2006/main">
   <p:cSld>
     <p:spTree>
@@ -9852,7 +9986,7 @@
 </p:sld>
 </file>
 
-<file path=ppt/slides/slide13.xml><?xml version="1.0" encoding="utf-8"?>
+<file path=ppt/slides/slide14.xml><?xml version="1.0" encoding="utf-8"?>
 <p:sld xmlns:a="http://schemas.openxmlformats.org/drawingml/2006/main" xmlns:r="http://schemas.openxmlformats.org/officeDocument/2006/relationships" xmlns:p="http://schemas.openxmlformats.org/presentationml/2006/main">
   <p:cSld>
     <p:spTree>
@@ -10003,7 +10137,7 @@
 </p:sld>
 </file>
 
-<file path=ppt/slides/slide14.xml><?xml version="1.0" encoding="utf-8"?>
+<file path=ppt/slides/slide15.xml><?xml version="1.0" encoding="utf-8"?>
 <p:sld xmlns:a="http://schemas.openxmlformats.org/drawingml/2006/main" xmlns:r="http://schemas.openxmlformats.org/officeDocument/2006/relationships" xmlns:p="http://schemas.openxmlformats.org/presentationml/2006/main">
   <p:cSld>
     <p:spTree>
@@ -10061,7 +10195,7 @@
 </p:sld>
 </file>
 
-<file path=ppt/slides/slide15.xml><?xml version="1.0" encoding="utf-8"?>
+<file path=ppt/slides/slide16.xml><?xml version="1.0" encoding="utf-8"?>
 <p:sld xmlns:a="http://schemas.openxmlformats.org/drawingml/2006/main" xmlns:r="http://schemas.openxmlformats.org/officeDocument/2006/relationships" xmlns:p="http://schemas.openxmlformats.org/presentationml/2006/main">
   <p:cSld>
     <p:spTree>
@@ -10346,7 +10480,7 @@
 </p:sld>
 </file>
 
-<file path=ppt/slides/slide16.xml><?xml version="1.0" encoding="utf-8"?>
+<file path=ppt/slides/slide17.xml><?xml version="1.0" encoding="utf-8"?>
 <p:sld xmlns:a="http://schemas.openxmlformats.org/drawingml/2006/main" xmlns:r="http://schemas.openxmlformats.org/officeDocument/2006/relationships" xmlns:p="http://schemas.openxmlformats.org/presentationml/2006/main">
   <p:cSld>
     <p:spTree>
@@ -10404,7 +10538,7 @@
 </p:sld>
 </file>
 
-<file path=ppt/slides/slide17.xml><?xml version="1.0" encoding="utf-8"?>
+<file path=ppt/slides/slide18.xml><?xml version="1.0" encoding="utf-8"?>
 <p:sld xmlns:a="http://schemas.openxmlformats.org/drawingml/2006/main" xmlns:r="http://schemas.openxmlformats.org/officeDocument/2006/relationships" xmlns:p="http://schemas.openxmlformats.org/presentationml/2006/main">
   <p:cSld>
     <p:spTree>
@@ -10462,7 +10596,7 @@
 </p:sld>
 </file>
 
-<file path=ppt/slides/slide18.xml><?xml version="1.0" encoding="utf-8"?>
+<file path=ppt/slides/slide19.xml><?xml version="1.0" encoding="utf-8"?>
 <p:sld xmlns:a="http://schemas.openxmlformats.org/drawingml/2006/main" xmlns:r="http://schemas.openxmlformats.org/officeDocument/2006/relationships" xmlns:p="http://schemas.openxmlformats.org/presentationml/2006/main">
   <p:cSld>
     <p:spTree>
@@ -10498,64 +10632,6 @@
           <a:xfrm>
             <a:off x="0" y="0"/>
             <a:ext cx="9144000" cy="6858000"/>
-          </a:xfrm>
-          <a:prstGeom prst="rect">
-            <a:avLst/>
-          </a:prstGeom>
-          <a:noFill/>
-        </p:spPr>
-      </p:pic>
-    </p:spTree>
-  </p:cSld>
-  <p:clrMapOvr>
-    <a:masterClrMapping/>
-  </p:clrMapOvr>
-  <p:timing>
-    <p:tnLst>
-      <p:par>
-        <p:cTn id="1" dur="indefinite" restart="never" nodeType="tmRoot"/>
-      </p:par>
-    </p:tnLst>
-  </p:timing>
-</p:sld>
-</file>
-
-<file path=ppt/slides/slide19.xml><?xml version="1.0" encoding="utf-8"?>
-<p:sld xmlns:a="http://schemas.openxmlformats.org/drawingml/2006/main" xmlns:r="http://schemas.openxmlformats.org/officeDocument/2006/relationships" xmlns:p="http://schemas.openxmlformats.org/presentationml/2006/main">
-  <p:cSld>
-    <p:spTree>
-      <p:nvGrpSpPr>
-        <p:cNvPr id="1" name=""/>
-        <p:cNvGrpSpPr/>
-        <p:nvPr/>
-      </p:nvGrpSpPr>
-      <p:grpSpPr>
-        <a:xfrm>
-          <a:off x="0" y="0"/>
-          <a:ext cx="0" cy="0"/>
-          <a:chOff x="0" y="0"/>
-          <a:chExt cx="0" cy="0"/>
-        </a:xfrm>
-      </p:grpSpPr>
-      <p:pic>
-        <p:nvPicPr>
-          <p:cNvPr id="10242" name="Picture 2" descr="C:\Users\Tim\Pictures\presentation graphics\mvc getting started\road_signs.jpg"/>
-          <p:cNvPicPr>
-            <a:picLocks noChangeAspect="1" noChangeArrowheads="1"/>
-          </p:cNvPicPr>
-          <p:nvPr/>
-        </p:nvPicPr>
-        <p:blipFill>
-          <a:blip r:embed="rId3"/>
-          <a:srcRect/>
-          <a:stretch>
-            <a:fillRect/>
-          </a:stretch>
-        </p:blipFill>
-        <p:spPr bwMode="auto">
-          <a:xfrm>
-            <a:off x="-304800" y="0"/>
-            <a:ext cx="10302799" cy="6858000"/>
           </a:xfrm>
           <a:prstGeom prst="rect">
             <a:avLst/>
@@ -10653,46 +10729,32 @@
           <a:chExt cx="0" cy="0"/>
         </a:xfrm>
       </p:grpSpPr>
-      <p:sp>
-        <p:nvSpPr>
-          <p:cNvPr id="12" name="Title 1"/>
-          <p:cNvSpPr>
-            <a:spLocks noGrp="1"/>
-          </p:cNvSpPr>
-          <p:nvPr>
-            <p:ph type="title"/>
-          </p:nvPr>
-        </p:nvSpPr>
-        <p:spPr>
+      <p:pic>
+        <p:nvPicPr>
+          <p:cNvPr id="10242" name="Picture 2" descr="C:\Users\Tim\Pictures\presentation graphics\mvc getting started\road_signs.jpg"/>
+          <p:cNvPicPr>
+            <a:picLocks noChangeAspect="1" noChangeArrowheads="1"/>
+          </p:cNvPicPr>
+          <p:nvPr/>
+        </p:nvPicPr>
+        <p:blipFill>
+          <a:blip r:embed="rId3"/>
+          <a:srcRect/>
+          <a:stretch>
+            <a:fillRect/>
+          </a:stretch>
+        </p:blipFill>
+        <p:spPr bwMode="auto">
           <a:xfrm>
-            <a:off x="914400" y="2819400"/>
-            <a:ext cx="7772400" cy="1447800"/>
+            <a:off x="-304800" y="0"/>
+            <a:ext cx="10302799" cy="6858000"/>
           </a:xfrm>
+          <a:prstGeom prst="rect">
+            <a:avLst/>
+          </a:prstGeom>
+          <a:noFill/>
         </p:spPr>
-        <p:txBody>
-          <a:bodyPr/>
-          <a:lstStyle/>
-          <a:p>
-            <a:r>
-              <a:rPr lang="en-US" sz="6000" dirty="0" smtClean="0">
-                <a:solidFill>
-                  <a:srgbClr val="FFC000"/>
-                </a:solidFill>
-                <a:latin typeface="Courier New" pitchFamily="49" charset="0"/>
-                <a:cs typeface="Courier New" pitchFamily="49" charset="0"/>
-              </a:rPr>
-              <a:t>&lt;code /&gt;</a:t>
-            </a:r>
-            <a:endParaRPr lang="en-US" sz="6000" dirty="0">
-              <a:solidFill>
-                <a:srgbClr val="FFC000"/>
-              </a:solidFill>
-              <a:latin typeface="Courier New" pitchFamily="49" charset="0"/>
-              <a:cs typeface="Courier New" pitchFamily="49" charset="0"/>
-            </a:endParaRPr>
-          </a:p>
-        </p:txBody>
-      </p:sp>
+      </p:pic>
     </p:spTree>
   </p:cSld>
   <p:clrMapOvr>
@@ -10709,6 +10771,78 @@
 </file>
 
 <file path=ppt/slides/slide21.xml><?xml version="1.0" encoding="utf-8"?>
+<p:sld xmlns:a="http://schemas.openxmlformats.org/drawingml/2006/main" xmlns:r="http://schemas.openxmlformats.org/officeDocument/2006/relationships" xmlns:p="http://schemas.openxmlformats.org/presentationml/2006/main">
+  <p:cSld>
+    <p:spTree>
+      <p:nvGrpSpPr>
+        <p:cNvPr id="1" name=""/>
+        <p:cNvGrpSpPr/>
+        <p:nvPr/>
+      </p:nvGrpSpPr>
+      <p:grpSpPr>
+        <a:xfrm>
+          <a:off x="0" y="0"/>
+          <a:ext cx="0" cy="0"/>
+          <a:chOff x="0" y="0"/>
+          <a:chExt cx="0" cy="0"/>
+        </a:xfrm>
+      </p:grpSpPr>
+      <p:sp>
+        <p:nvSpPr>
+          <p:cNvPr id="12" name="Title 1"/>
+          <p:cNvSpPr>
+            <a:spLocks noGrp="1"/>
+          </p:cNvSpPr>
+          <p:nvPr>
+            <p:ph type="title"/>
+          </p:nvPr>
+        </p:nvSpPr>
+        <p:spPr>
+          <a:xfrm>
+            <a:off x="914400" y="2819400"/>
+            <a:ext cx="7772400" cy="1447800"/>
+          </a:xfrm>
+        </p:spPr>
+        <p:txBody>
+          <a:bodyPr/>
+          <a:lstStyle/>
+          <a:p>
+            <a:r>
+              <a:rPr lang="en-US" sz="6000" dirty="0" smtClean="0">
+                <a:solidFill>
+                  <a:srgbClr val="FFC000"/>
+                </a:solidFill>
+                <a:latin typeface="Courier New" pitchFamily="49" charset="0"/>
+                <a:cs typeface="Courier New" pitchFamily="49" charset="0"/>
+              </a:rPr>
+              <a:t>&lt;code /&gt;</a:t>
+            </a:r>
+            <a:endParaRPr lang="en-US" sz="6000" dirty="0">
+              <a:solidFill>
+                <a:srgbClr val="FFC000"/>
+              </a:solidFill>
+              <a:latin typeface="Courier New" pitchFamily="49" charset="0"/>
+              <a:cs typeface="Courier New" pitchFamily="49" charset="0"/>
+            </a:endParaRPr>
+          </a:p>
+        </p:txBody>
+      </p:sp>
+    </p:spTree>
+  </p:cSld>
+  <p:clrMapOvr>
+    <a:masterClrMapping/>
+  </p:clrMapOvr>
+  <p:timing>
+    <p:tnLst>
+      <p:par>
+        <p:cTn id="1" dur="indefinite" restart="never" nodeType="tmRoot"/>
+      </p:par>
+    </p:tnLst>
+  </p:timing>
+</p:sld>
+</file>
+
+<file path=ppt/slides/slide22.xml><?xml version="1.0" encoding="utf-8"?>
 <p:sld xmlns:a="http://schemas.openxmlformats.org/drawingml/2006/main" xmlns:r="http://schemas.openxmlformats.org/officeDocument/2006/relationships" xmlns:p="http://schemas.openxmlformats.org/presentationml/2006/main">
   <p:cSld>
     <p:spTree>
@@ -10991,7 +11125,7 @@
 </p:sld>
 </file>
 
-<file path=ppt/slides/slide22.xml><?xml version="1.0" encoding="utf-8"?>
+<file path=ppt/slides/slide23.xml><?xml version="1.0" encoding="utf-8"?>
 <p:sld xmlns:a="http://schemas.openxmlformats.org/drawingml/2006/main" xmlns:r="http://schemas.openxmlformats.org/officeDocument/2006/relationships" xmlns:p="http://schemas.openxmlformats.org/presentationml/2006/main">
   <p:cSld>
     <p:spTree>
@@ -11506,7 +11640,7 @@
 </p:sld>
 </file>
 
-<file path=ppt/slides/slide23.xml><?xml version="1.0" encoding="utf-8"?>
+<file path=ppt/slides/slide24.xml><?xml version="1.0" encoding="utf-8"?>
 <p:sld xmlns:a="http://schemas.openxmlformats.org/drawingml/2006/main" xmlns:r="http://schemas.openxmlformats.org/officeDocument/2006/relationships" xmlns:p="http://schemas.openxmlformats.org/presentationml/2006/main">
   <p:cSld>
     <p:spTree>
@@ -11605,7 +11739,7 @@
 </p:sld>
 </file>
 
-<file path=ppt/slides/slide24.xml><?xml version="1.0" encoding="utf-8"?>
+<file path=ppt/slides/slide25.xml><?xml version="1.0" encoding="utf-8"?>
 <p:sld xmlns:a="http://schemas.openxmlformats.org/drawingml/2006/main" xmlns:r="http://schemas.openxmlformats.org/officeDocument/2006/relationships" xmlns:p="http://schemas.openxmlformats.org/presentationml/2006/main">
   <p:cSld>
     <p:spTree>
@@ -11782,78 +11916,6 @@
 </p:sld>
 </file>
 
-<file path=ppt/slides/slide25.xml><?xml version="1.0" encoding="utf-8"?>
-<p:sld xmlns:a="http://schemas.openxmlformats.org/drawingml/2006/main" xmlns:r="http://schemas.openxmlformats.org/officeDocument/2006/relationships" xmlns:p="http://schemas.openxmlformats.org/presentationml/2006/main">
-  <p:cSld>
-    <p:spTree>
-      <p:nvGrpSpPr>
-        <p:cNvPr id="1" name=""/>
-        <p:cNvGrpSpPr/>
-        <p:nvPr/>
-      </p:nvGrpSpPr>
-      <p:grpSpPr>
-        <a:xfrm>
-          <a:off x="0" y="0"/>
-          <a:ext cx="0" cy="0"/>
-          <a:chOff x="0" y="0"/>
-          <a:chExt cx="0" cy="0"/>
-        </a:xfrm>
-      </p:grpSpPr>
-      <p:sp>
-        <p:nvSpPr>
-          <p:cNvPr id="2" name="Title 1"/>
-          <p:cNvSpPr>
-            <a:spLocks noGrp="1"/>
-          </p:cNvSpPr>
-          <p:nvPr>
-            <p:ph type="title"/>
-          </p:nvPr>
-        </p:nvSpPr>
-        <p:spPr>
-          <a:xfrm>
-            <a:off x="914400" y="2819400"/>
-            <a:ext cx="7772400" cy="1447800"/>
-          </a:xfrm>
-        </p:spPr>
-        <p:txBody>
-          <a:bodyPr/>
-          <a:lstStyle/>
-          <a:p>
-            <a:r>
-              <a:rPr lang="en-US" sz="6000" dirty="0" smtClean="0">
-                <a:solidFill>
-                  <a:srgbClr val="FFC000"/>
-                </a:solidFill>
-                <a:latin typeface="Courier New" pitchFamily="49" charset="0"/>
-                <a:cs typeface="Courier New" pitchFamily="49" charset="0"/>
-              </a:rPr>
-              <a:t>&lt;code /&gt;</a:t>
-            </a:r>
-            <a:endParaRPr lang="en-US" sz="6000" dirty="0">
-              <a:solidFill>
-                <a:srgbClr val="FFC000"/>
-              </a:solidFill>
-              <a:latin typeface="Courier New" pitchFamily="49" charset="0"/>
-              <a:cs typeface="Courier New" pitchFamily="49" charset="0"/>
-            </a:endParaRPr>
-          </a:p>
-        </p:txBody>
-      </p:sp>
-    </p:spTree>
-  </p:cSld>
-  <p:clrMapOvr>
-    <a:masterClrMapping/>
-  </p:clrMapOvr>
-  <p:timing>
-    <p:tnLst>
-      <p:par>
-        <p:cTn id="1" dur="indefinite" restart="never" nodeType="tmRoot"/>
-      </p:par>
-    </p:tnLst>
-  </p:timing>
-</p:sld>
-</file>
-
 <file path=ppt/slides/slide26.xml><?xml version="1.0" encoding="utf-8"?>
 <p:sld xmlns:a="http://schemas.openxmlformats.org/drawingml/2006/main" xmlns:r="http://schemas.openxmlformats.org/officeDocument/2006/relationships" xmlns:p="http://schemas.openxmlformats.org/presentationml/2006/main">
   <p:cSld>
@@ -11881,104 +11943,33 @@
             <p:ph type="title"/>
           </p:nvPr>
         </p:nvSpPr>
-        <p:spPr/>
+        <p:spPr>
+          <a:xfrm>
+            <a:off x="914400" y="2819400"/>
+            <a:ext cx="7772400" cy="1447800"/>
+          </a:xfrm>
+        </p:spPr>
         <p:txBody>
           <a:bodyPr/>
           <a:lstStyle/>
           <a:p>
             <a:r>
-              <a:rPr lang="en-US" dirty="0" smtClean="0"/>
-              <a:t>Resources</a:t>
-            </a:r>
-            <a:endParaRPr lang="en-US" dirty="0"/>
-          </a:p>
-        </p:txBody>
-      </p:sp>
-      <p:sp>
-        <p:nvSpPr>
-          <p:cNvPr id="3" name="Content Placeholder 2"/>
-          <p:cNvSpPr>
-            <a:spLocks noGrp="1"/>
-          </p:cNvSpPr>
-          <p:nvPr>
-            <p:ph idx="1"/>
-          </p:nvPr>
-        </p:nvSpPr>
-        <p:spPr/>
-        <p:txBody>
-          <a:bodyPr/>
-          <a:lstStyle/>
-          <a:p>
-            <a:r>
-              <a:rPr lang="en-US" smtClean="0">
-                <a:hlinkClick r:id="rId3"/>
+              <a:rPr lang="en-US" sz="6000" dirty="0" smtClean="0">
+                <a:solidFill>
+                  <a:srgbClr val="FFC000"/>
+                </a:solidFill>
+                <a:latin typeface="Courier New" pitchFamily="49" charset="0"/>
+                <a:cs typeface="Courier New" pitchFamily="49" charset="0"/>
               </a:rPr>
-              <a:t>www.asp.net/mvc/</a:t>
-            </a:r>
-            <a:endParaRPr lang="en-US" dirty="0" smtClean="0"/>
-          </a:p>
-          <a:p>
-            <a:r>
-              <a:rPr lang="en-US" dirty="0" smtClean="0">
-                <a:hlinkClick r:id="rId4"/>
-              </a:rPr>
-              <a:t>www.hanselman.com/blog/</a:t>
-            </a:r>
-            <a:endParaRPr lang="en-US" dirty="0" smtClean="0"/>
-          </a:p>
-          <a:p>
-            <a:r>
-              <a:rPr lang="en-US" dirty="0" smtClean="0">
-                <a:hlinkClick r:id="rId5"/>
-              </a:rPr>
-              <a:t>www.haacked.com</a:t>
-            </a:r>
-            <a:endParaRPr lang="en-US" dirty="0" smtClean="0"/>
-          </a:p>
-          <a:p>
-            <a:r>
-              <a:rPr lang="en-US" dirty="0" smtClean="0">
-                <a:hlinkClick r:id="rId6"/>
-              </a:rPr>
-              <a:t>sessions.visitmix.com/?</a:t>
-            </a:r>
-            <a:r>
-              <a:rPr lang="en-US" dirty="0" err="1" smtClean="0">
-                <a:hlinkClick r:id="rId6"/>
-              </a:rPr>
-              <a:t>selectedSearch</a:t>
-            </a:r>
-            <a:r>
-              <a:rPr lang="en-US" dirty="0" smtClean="0">
-                <a:hlinkClick r:id="rId6"/>
-              </a:rPr>
-              <a:t>=T22</a:t>
-            </a:r>
-            <a:endParaRPr lang="en-US" dirty="0" smtClean="0"/>
-          </a:p>
-          <a:p>
-            <a:r>
-              <a:rPr lang="en-US" dirty="0" smtClean="0">
-                <a:hlinkClick r:id="rId7"/>
-              </a:rPr>
-              <a:t>weblogs.asp.net/</a:t>
-            </a:r>
-            <a:r>
-              <a:rPr lang="en-US" dirty="0" err="1" smtClean="0">
-                <a:hlinkClick r:id="rId7"/>
-              </a:rPr>
-              <a:t>scottgu</a:t>
-            </a:r>
-            <a:r>
-              <a:rPr lang="en-US" dirty="0" smtClean="0">
-                <a:hlinkClick r:id="rId7"/>
-              </a:rPr>
-              <a:t>/</a:t>
-            </a:r>
-            <a:endParaRPr lang="en-US" dirty="0" smtClean="0"/>
-          </a:p>
-          <a:p>
-            <a:endParaRPr lang="en-US" dirty="0"/>
+              <a:t>&lt;code /&gt;</a:t>
+            </a:r>
+            <a:endParaRPr lang="en-US" sz="6000" dirty="0">
+              <a:solidFill>
+                <a:srgbClr val="FFC000"/>
+              </a:solidFill>
+              <a:latin typeface="Courier New" pitchFamily="49" charset="0"/>
+              <a:cs typeface="Courier New" pitchFamily="49" charset="0"/>
+            </a:endParaRPr>
           </a:p>
         </p:txBody>
       </p:sp>
@@ -12016,6 +12007,149 @@
       </p:grpSpPr>
       <p:sp>
         <p:nvSpPr>
+          <p:cNvPr id="2" name="Title 1"/>
+          <p:cNvSpPr>
+            <a:spLocks noGrp="1"/>
+          </p:cNvSpPr>
+          <p:nvPr>
+            <p:ph type="title"/>
+          </p:nvPr>
+        </p:nvSpPr>
+        <p:spPr/>
+        <p:txBody>
+          <a:bodyPr/>
+          <a:lstStyle/>
+          <a:p>
+            <a:r>
+              <a:rPr lang="en-US" dirty="0" smtClean="0"/>
+              <a:t>Resources</a:t>
+            </a:r>
+            <a:endParaRPr lang="en-US" dirty="0"/>
+          </a:p>
+        </p:txBody>
+      </p:sp>
+      <p:sp>
+        <p:nvSpPr>
+          <p:cNvPr id="3" name="Content Placeholder 2"/>
+          <p:cNvSpPr>
+            <a:spLocks noGrp="1"/>
+          </p:cNvSpPr>
+          <p:nvPr>
+            <p:ph idx="1"/>
+          </p:nvPr>
+        </p:nvSpPr>
+        <p:spPr/>
+        <p:txBody>
+          <a:bodyPr/>
+          <a:lstStyle/>
+          <a:p>
+            <a:r>
+              <a:rPr lang="en-US" smtClean="0">
+                <a:hlinkClick r:id="rId3"/>
+              </a:rPr>
+              <a:t>www.asp.net/mvc/</a:t>
+            </a:r>
+            <a:endParaRPr lang="en-US" dirty="0" smtClean="0"/>
+          </a:p>
+          <a:p>
+            <a:r>
+              <a:rPr lang="en-US" dirty="0" smtClean="0">
+                <a:hlinkClick r:id="rId4"/>
+              </a:rPr>
+              <a:t>www.hanselman.com/blog/</a:t>
+            </a:r>
+            <a:endParaRPr lang="en-US" dirty="0" smtClean="0"/>
+          </a:p>
+          <a:p>
+            <a:r>
+              <a:rPr lang="en-US" dirty="0" smtClean="0">
+                <a:hlinkClick r:id="rId5"/>
+              </a:rPr>
+              <a:t>www.haacked.com</a:t>
+            </a:r>
+            <a:endParaRPr lang="en-US" dirty="0" smtClean="0"/>
+          </a:p>
+          <a:p>
+            <a:r>
+              <a:rPr lang="en-US" dirty="0" smtClean="0">
+                <a:hlinkClick r:id="rId6"/>
+              </a:rPr>
+              <a:t>sessions.visitmix.com/?</a:t>
+            </a:r>
+            <a:r>
+              <a:rPr lang="en-US" dirty="0" err="1" smtClean="0">
+                <a:hlinkClick r:id="rId6"/>
+              </a:rPr>
+              <a:t>selectedSearch</a:t>
+            </a:r>
+            <a:r>
+              <a:rPr lang="en-US" dirty="0" smtClean="0">
+                <a:hlinkClick r:id="rId6"/>
+              </a:rPr>
+              <a:t>=T22</a:t>
+            </a:r>
+            <a:endParaRPr lang="en-US" dirty="0" smtClean="0"/>
+          </a:p>
+          <a:p>
+            <a:r>
+              <a:rPr lang="en-US" dirty="0" smtClean="0">
+                <a:hlinkClick r:id="rId7"/>
+              </a:rPr>
+              <a:t>weblogs.asp.net/</a:t>
+            </a:r>
+            <a:r>
+              <a:rPr lang="en-US" dirty="0" err="1" smtClean="0">
+                <a:hlinkClick r:id="rId7"/>
+              </a:rPr>
+              <a:t>scottgu</a:t>
+            </a:r>
+            <a:r>
+              <a:rPr lang="en-US" dirty="0" smtClean="0">
+                <a:hlinkClick r:id="rId7"/>
+              </a:rPr>
+              <a:t>/</a:t>
+            </a:r>
+            <a:endParaRPr lang="en-US" dirty="0" smtClean="0"/>
+          </a:p>
+          <a:p>
+            <a:endParaRPr lang="en-US" dirty="0"/>
+          </a:p>
+        </p:txBody>
+      </p:sp>
+    </p:spTree>
+  </p:cSld>
+  <p:clrMapOvr>
+    <a:masterClrMapping/>
+  </p:clrMapOvr>
+  <p:timing>
+    <p:tnLst>
+      <p:par>
+        <p:cTn id="1" dur="indefinite" restart="never" nodeType="tmRoot"/>
+      </p:par>
+    </p:tnLst>
+  </p:timing>
+</p:sld>
+</file>
+
+<file path=ppt/slides/slide28.xml><?xml version="1.0" encoding="utf-8"?>
+<p:sld xmlns:a="http://schemas.openxmlformats.org/drawingml/2006/main" xmlns:r="http://schemas.openxmlformats.org/officeDocument/2006/relationships" xmlns:p="http://schemas.openxmlformats.org/presentationml/2006/main">
+  <p:cSld>
+    <p:spTree>
+      <p:nvGrpSpPr>
+        <p:cNvPr id="1" name=""/>
+        <p:cNvGrpSpPr/>
+        <p:nvPr/>
+      </p:nvGrpSpPr>
+      <p:grpSpPr>
+        <a:xfrm>
+          <a:off x="0" y="0"/>
+          <a:ext cx="0" cy="0"/>
+          <a:chOff x="0" y="0"/>
+          <a:chExt cx="0" cy="0"/>
+        </a:xfrm>
+      </p:grpSpPr>
+      <p:sp>
+        <p:nvSpPr>
           <p:cNvPr id="3" name="Title 2"/>
           <p:cNvSpPr>
             <a:spLocks noGrp="1"/>
@@ -12026,7 +12160,7 @@
         </p:nvSpPr>
         <p:spPr>
           <a:xfrm>
-            <a:off x="914400" y="512064"/>
+            <a:off x="152400" y="228600"/>
             <a:ext cx="7772400" cy="4974336"/>
           </a:xfrm>
         </p:spPr>
@@ -12035,86 +12169,259 @@
           <a:lstStyle/>
           <a:p>
             <a:r>
-              <a:rPr lang="en-US" dirty="0" smtClean="0"/>
+              <a:rPr lang="en-US" sz="2800" dirty="0" smtClean="0"/>
               <a:t>Tim Wingfield</a:t>
             </a:r>
             <a:br>
-              <a:rPr lang="en-US" dirty="0" smtClean="0"/>
+              <a:rPr lang="en-US" sz="2800" dirty="0" smtClean="0"/>
             </a:br>
             <a:r>
-              <a:rPr lang="en-US" dirty="0" smtClean="0"/>
+              <a:rPr lang="en-US" sz="2800" dirty="0" smtClean="0"/>
               <a:t/>
             </a:r>
             <a:br>
-              <a:rPr lang="en-US" dirty="0" smtClean="0"/>
+              <a:rPr lang="en-US" sz="2800" dirty="0" smtClean="0"/>
             </a:br>
             <a:r>
-              <a:rPr lang="en-US" dirty="0" smtClean="0"/>
+              <a:rPr lang="en-US" sz="2800" dirty="0" smtClean="0"/>
               <a:t>email: </a:t>
             </a:r>
             <a:r>
-              <a:rPr lang="en-US" dirty="0" smtClean="0">
+              <a:rPr lang="en-US" sz="2800" dirty="0" smtClean="0">
                 <a:hlinkClick r:id="rId3"/>
               </a:rPr>
               <a:t>tim@timwingfield.com</a:t>
             </a:r>
             <a:r>
-              <a:rPr lang="en-US" dirty="0" smtClean="0"/>
+              <a:rPr lang="en-US" sz="2800" dirty="0" smtClean="0"/>
               <a:t/>
             </a:r>
             <a:br>
-              <a:rPr lang="en-US" dirty="0" smtClean="0"/>
+              <a:rPr lang="en-US" sz="2800" dirty="0" smtClean="0"/>
             </a:br>
             <a:r>
-              <a:rPr lang="en-US" dirty="0" smtClean="0"/>
+              <a:rPr lang="en-US" sz="2800" dirty="0" smtClean="0"/>
               <a:t>blog: </a:t>
             </a:r>
             <a:r>
-              <a:rPr lang="en-US" dirty="0" smtClean="0">
+              <a:rPr lang="en-US" sz="2800" dirty="0" smtClean="0">
                 <a:hlinkClick r:id="rId4"/>
               </a:rPr>
               <a:t>blog.timwingfield.com</a:t>
             </a:r>
             <a:r>
-              <a:rPr lang="en-US" dirty="0" smtClean="0"/>
+              <a:rPr lang="en-US" sz="2800" dirty="0" smtClean="0"/>
               <a:t/>
             </a:r>
             <a:br>
-              <a:rPr lang="en-US" dirty="0" smtClean="0"/>
+              <a:rPr lang="en-US" sz="2800" dirty="0" smtClean="0"/>
             </a:br>
             <a:r>
-              <a:rPr lang="en-US" dirty="0" smtClean="0"/>
+              <a:rPr lang="en-US" sz="2800" dirty="0" smtClean="0"/>
               <a:t>twitter: </a:t>
             </a:r>
             <a:r>
-              <a:rPr lang="en-US" dirty="0" err="1" smtClean="0"/>
+              <a:rPr lang="en-US" sz="2800" dirty="0" err="1" smtClean="0"/>
               <a:t>timwingfield</a:t>
             </a:r>
             <a:r>
-              <a:rPr lang="en-US" dirty="0" smtClean="0"/>
+              <a:rPr lang="en-US" sz="2800" dirty="0" smtClean="0"/>
               <a:t/>
             </a:r>
             <a:br>
-              <a:rPr lang="en-US" dirty="0" smtClean="0"/>
+              <a:rPr lang="en-US" sz="2800" dirty="0" smtClean="0"/>
             </a:br>
             <a:r>
-              <a:rPr lang="en-US" dirty="0" smtClean="0"/>
+              <a:rPr lang="en-US" sz="2800" dirty="0" smtClean="0"/>
               <a:t/>
             </a:r>
             <a:br>
-              <a:rPr lang="en-US" dirty="0" smtClean="0"/>
+              <a:rPr lang="en-US" sz="2800" dirty="0" smtClean="0"/>
             </a:br>
-            <a:r>
-              <a:rPr lang="en-US" dirty="0" smtClean="0"/>
+            <a:endParaRPr lang="en-US" sz="2800" dirty="0"/>
+          </a:p>
+        </p:txBody>
+      </p:sp>
+      <p:sp>
+        <p:nvSpPr>
+          <p:cNvPr id="4" name="Rectangle 3"/>
+          <p:cNvSpPr/>
+          <p:nvPr/>
+        </p:nvSpPr>
+        <p:spPr>
+          <a:xfrm>
+            <a:off x="1219200" y="5943600"/>
+            <a:ext cx="6757684" cy="707886"/>
+          </a:xfrm>
+          <a:prstGeom prst="rect">
+            <a:avLst/>
+          </a:prstGeom>
+        </p:spPr>
+        <p:txBody>
+          <a:bodyPr wrap="none">
+            <a:spAutoFit/>
+          </a:bodyPr>
+          <a:lstStyle/>
+          <a:p>
+            <a:r>
+              <a:rPr lang="en-US" sz="4000" dirty="0" smtClean="0"/>
               <a:t>code: </a:t>
             </a:r>
             <a:r>
-              <a:rPr lang="en-US" dirty="0" smtClean="0">
+              <a:rPr lang="en-US" sz="4000" dirty="0" smtClean="0">
                 <a:hlinkClick r:id="rId4"/>
               </a:rPr>
               <a:t>www.codeincubator.com</a:t>
             </a:r>
-            <a:endParaRPr lang="en-US" dirty="0"/>
+            <a:endParaRPr lang="en-US" sz="4000" dirty="0"/>
+          </a:p>
+        </p:txBody>
+      </p:sp>
+      <p:sp>
+        <p:nvSpPr>
+          <p:cNvPr id="5" name="Rectangle 4"/>
+          <p:cNvSpPr/>
+          <p:nvPr/>
+        </p:nvSpPr>
+        <p:spPr>
+          <a:xfrm>
+            <a:off x="4114800" y="3276600"/>
+            <a:ext cx="5029200" cy="2246769"/>
+          </a:xfrm>
+          <a:prstGeom prst="rect">
+            <a:avLst/>
+          </a:prstGeom>
+        </p:spPr>
+        <p:txBody>
+          <a:bodyPr wrap="square">
+            <a:spAutoFit/>
+          </a:bodyPr>
+          <a:lstStyle/>
+          <a:p>
+            <a:r>
+              <a:rPr lang="en-US" sz="2800" dirty="0" smtClean="0">
+                <a:solidFill>
+                  <a:schemeClr val="tx2"/>
+                </a:solidFill>
+                <a:latin typeface="+mj-lt"/>
+              </a:rPr>
+              <a:t>Steve Horn</a:t>
+            </a:r>
+          </a:p>
+          <a:p>
+            <a:r>
+              <a:rPr lang="en-US" sz="2800" dirty="0" smtClean="0">
+                <a:solidFill>
+                  <a:schemeClr val="tx2"/>
+                </a:solidFill>
+                <a:latin typeface="+mj-lt"/>
+              </a:rPr>
+              <a:t/>
+            </a:r>
+            <a:br>
+              <a:rPr lang="en-US" sz="2800" dirty="0" smtClean="0">
+                <a:solidFill>
+                  <a:schemeClr val="tx2"/>
+                </a:solidFill>
+                <a:latin typeface="+mj-lt"/>
+              </a:rPr>
+            </a:br>
+            <a:r>
+              <a:rPr lang="en-US" sz="2800" dirty="0" smtClean="0">
+                <a:solidFill>
+                  <a:schemeClr val="tx2"/>
+                </a:solidFill>
+                <a:latin typeface="+mj-lt"/>
+              </a:rPr>
+              <a:t>email: </a:t>
+            </a:r>
+            <a:r>
+              <a:rPr lang="en-US" sz="2800" dirty="0" smtClean="0">
+                <a:solidFill>
+                  <a:schemeClr val="tx2"/>
+                </a:solidFill>
+                <a:latin typeface="+mj-lt"/>
+                <a:hlinkClick r:id="rId5"/>
+              </a:rPr>
+              <a:t>smhceh@gmail.com</a:t>
+            </a:r>
+            <a:r>
+              <a:rPr lang="en-US" sz="2800" dirty="0" smtClean="0">
+                <a:solidFill>
+                  <a:schemeClr val="tx2"/>
+                </a:solidFill>
+                <a:latin typeface="+mj-lt"/>
+              </a:rPr>
+              <a:t/>
+            </a:r>
+            <a:br>
+              <a:rPr lang="en-US" sz="2800" dirty="0" smtClean="0">
+                <a:solidFill>
+                  <a:schemeClr val="tx2"/>
+                </a:solidFill>
+                <a:latin typeface="+mj-lt"/>
+              </a:rPr>
+            </a:br>
+            <a:r>
+              <a:rPr lang="en-US" sz="2800" dirty="0" smtClean="0">
+                <a:solidFill>
+                  <a:schemeClr val="tx2"/>
+                </a:solidFill>
+                <a:latin typeface="+mj-lt"/>
+              </a:rPr>
+              <a:t>blog: </a:t>
+            </a:r>
+            <a:r>
+              <a:rPr lang="en-US" sz="2800" dirty="0" smtClean="0">
+                <a:solidFill>
+                  <a:schemeClr val="tx2"/>
+                </a:solidFill>
+                <a:latin typeface="+mj-lt"/>
+                <a:hlinkClick r:id="rId4"/>
+              </a:rPr>
+              <a:t>blog.stevehorn.com</a:t>
+            </a:r>
+            <a:r>
+              <a:rPr lang="en-US" sz="2800" dirty="0" smtClean="0">
+                <a:solidFill>
+                  <a:schemeClr val="tx2"/>
+                </a:solidFill>
+                <a:latin typeface="+mj-lt"/>
+              </a:rPr>
+              <a:t/>
+            </a:r>
+            <a:br>
+              <a:rPr lang="en-US" sz="2800" dirty="0" smtClean="0">
+                <a:solidFill>
+                  <a:schemeClr val="tx2"/>
+                </a:solidFill>
+                <a:latin typeface="+mj-lt"/>
+              </a:rPr>
+            </a:br>
+            <a:r>
+              <a:rPr lang="en-US" sz="2800" dirty="0" smtClean="0">
+                <a:solidFill>
+                  <a:schemeClr val="tx2"/>
+                </a:solidFill>
+                <a:latin typeface="+mj-lt"/>
+              </a:rPr>
+              <a:t>twitter: </a:t>
+            </a:r>
+            <a:r>
+              <a:rPr lang="en-US" sz="2800" dirty="0" err="1" smtClean="0">
+                <a:solidFill>
+                  <a:schemeClr val="tx2"/>
+                </a:solidFill>
+                <a:latin typeface="+mj-lt"/>
+              </a:rPr>
+              <a:t>stevehorn</a:t>
+            </a:r>
+            <a:endParaRPr lang="en-US" sz="2800" dirty="0">
+              <a:solidFill>
+                <a:schemeClr val="tx2"/>
+              </a:solidFill>
+              <a:latin typeface="+mj-lt"/>
+            </a:endParaRPr>
           </a:p>
         </p:txBody>
       </p:sp>
@@ -12134,6 +12441,83 @@
 </file>
 
 <file path=ppt/slides/slide3.xml><?xml version="1.0" encoding="utf-8"?>
+<p:sld xmlns:a="http://schemas.openxmlformats.org/drawingml/2006/main" xmlns:r="http://schemas.openxmlformats.org/officeDocument/2006/relationships" xmlns:p="http://schemas.openxmlformats.org/presentationml/2006/main">
+  <p:cSld>
+    <p:spTree>
+      <p:nvGrpSpPr>
+        <p:cNvPr id="1" name=""/>
+        <p:cNvGrpSpPr/>
+        <p:nvPr/>
+      </p:nvGrpSpPr>
+      <p:grpSpPr>
+        <a:xfrm>
+          <a:off x="0" y="0"/>
+          <a:ext cx="0" cy="0"/>
+          <a:chOff x="0" y="0"/>
+          <a:chExt cx="0" cy="0"/>
+        </a:xfrm>
+      </p:grpSpPr>
+      <p:pic>
+        <p:nvPicPr>
+          <p:cNvPr id="1026" name="Picture 2" descr="C:\Users\Steve\Desktop\carriesteve.jpg"/>
+          <p:cNvPicPr>
+            <a:picLocks noChangeAspect="1" noChangeArrowheads="1"/>
+          </p:cNvPicPr>
+          <p:nvPr/>
+        </p:nvPicPr>
+        <p:blipFill>
+          <a:blip r:embed="rId2"/>
+          <a:srcRect/>
+          <a:stretch>
+            <a:fillRect/>
+          </a:stretch>
+        </p:blipFill>
+        <p:spPr bwMode="auto">
+          <a:xfrm>
+            <a:off x="0" y="0"/>
+            <a:ext cx="4875960" cy="3657600"/>
+          </a:xfrm>
+          <a:prstGeom prst="rect">
+            <a:avLst/>
+          </a:prstGeom>
+          <a:noFill/>
+        </p:spPr>
+      </p:pic>
+      <p:pic>
+        <p:nvPicPr>
+          <p:cNvPr id="1027" name="Picture 3" descr="C:\Users\Steve\Desktop\afton.jpg"/>
+          <p:cNvPicPr>
+            <a:picLocks noChangeAspect="1" noChangeArrowheads="1"/>
+          </p:cNvPicPr>
+          <p:nvPr/>
+        </p:nvPicPr>
+        <p:blipFill>
+          <a:blip r:embed="rId3"/>
+          <a:srcRect/>
+          <a:stretch>
+            <a:fillRect/>
+          </a:stretch>
+        </p:blipFill>
+        <p:spPr bwMode="auto">
+          <a:xfrm>
+            <a:off x="5128521" y="1504950"/>
+            <a:ext cx="4015479" cy="5353050"/>
+          </a:xfrm>
+          <a:prstGeom prst="rect">
+            <a:avLst/>
+          </a:prstGeom>
+          <a:noFill/>
+        </p:spPr>
+      </p:pic>
+    </p:spTree>
+  </p:cSld>
+  <p:clrMapOvr>
+    <a:masterClrMapping/>
+  </p:clrMapOvr>
+</p:sld>
+</file>
+
+<file path=ppt/slides/slide4.xml><?xml version="1.0" encoding="utf-8"?>
 <p:sld xmlns:a="http://schemas.openxmlformats.org/drawingml/2006/main" xmlns:r="http://schemas.openxmlformats.org/officeDocument/2006/relationships" xmlns:p="http://schemas.openxmlformats.org/presentationml/2006/main">
   <p:cSld>
     <p:spTree>
@@ -12243,7 +12627,7 @@
 </p:sld>
 </file>
 
-<file path=ppt/slides/slide4.xml><?xml version="1.0" encoding="utf-8"?>
+<file path=ppt/slides/slide5.xml><?xml version="1.0" encoding="utf-8"?>
 <p:sld xmlns:a="http://schemas.openxmlformats.org/drawingml/2006/main" xmlns:r="http://schemas.openxmlformats.org/officeDocument/2006/relationships" xmlns:p="http://schemas.openxmlformats.org/presentationml/2006/main">
   <p:cSld>
     <p:spTree>
@@ -12608,7 +12992,7 @@
 </p:sld>
 </file>
 
-<file path=ppt/slides/slide5.xml><?xml version="1.0" encoding="utf-8"?>
+<file path=ppt/slides/slide6.xml><?xml version="1.0" encoding="utf-8"?>
 <p:sld xmlns:a="http://schemas.openxmlformats.org/drawingml/2006/main" xmlns:r="http://schemas.openxmlformats.org/officeDocument/2006/relationships" xmlns:p="http://schemas.openxmlformats.org/presentationml/2006/main">
   <p:cSld>
     <p:spTree>
@@ -12666,7 +13050,7 @@
 </p:sld>
 </file>
 
-<file path=ppt/slides/slide6.xml><?xml version="1.0" encoding="utf-8"?>
+<file path=ppt/slides/slide7.xml><?xml version="1.0" encoding="utf-8"?>
 <p:sld xmlns:a="http://schemas.openxmlformats.org/drawingml/2006/main" xmlns:r="http://schemas.openxmlformats.org/officeDocument/2006/relationships" xmlns:p="http://schemas.openxmlformats.org/presentationml/2006/main">
   <p:cSld>
     <p:spTree>
@@ -12724,7 +13108,7 @@
 </p:sld>
 </file>
 
-<file path=ppt/slides/slide7.xml><?xml version="1.0" encoding="utf-8"?>
+<file path=ppt/slides/slide8.xml><?xml version="1.0" encoding="utf-8"?>
 <p:sld xmlns:a="http://schemas.openxmlformats.org/drawingml/2006/main" xmlns:r="http://schemas.openxmlformats.org/officeDocument/2006/relationships" xmlns:p="http://schemas.openxmlformats.org/presentationml/2006/main">
   <p:cSld>
     <p:spTree>
@@ -12782,7 +13166,7 @@
 </p:sld>
 </file>
 
-<file path=ppt/slides/slide8.xml><?xml version="1.0" encoding="utf-8"?>
+<file path=ppt/slides/slide9.xml><?xml version="1.0" encoding="utf-8"?>
 <p:sld xmlns:a="http://schemas.openxmlformats.org/drawingml/2006/main" xmlns:r="http://schemas.openxmlformats.org/officeDocument/2006/relationships" xmlns:p="http://schemas.openxmlformats.org/presentationml/2006/main">
   <p:cSld>
     <p:spTree>
@@ -12870,116 +13254,6 @@
           <a:xfrm>
             <a:off x="5486400" y="3886200"/>
             <a:ext cx="2590800" cy="1155728"/>
-          </a:xfrm>
-          <a:prstGeom prst="rect">
-            <a:avLst/>
-          </a:prstGeom>
-          <a:noFill/>
-        </p:spPr>
-      </p:pic>
-    </p:spTree>
-  </p:cSld>
-  <p:clrMapOvr>
-    <a:masterClrMapping/>
-  </p:clrMapOvr>
-  <p:timing>
-    <p:tnLst>
-      <p:par>
-        <p:cTn id="1" dur="indefinite" restart="never" nodeType="tmRoot"/>
-      </p:par>
-    </p:tnLst>
-  </p:timing>
-</p:sld>
-</file>
-
-<file path=ppt/slides/slide9.xml><?xml version="1.0" encoding="utf-8"?>
-<p:sld xmlns:a="http://schemas.openxmlformats.org/drawingml/2006/main" xmlns:r="http://schemas.openxmlformats.org/officeDocument/2006/relationships" xmlns:p="http://schemas.openxmlformats.org/presentationml/2006/main">
-  <p:cSld>
-    <p:spTree>
-      <p:nvGrpSpPr>
-        <p:cNvPr id="1" name=""/>
-        <p:cNvGrpSpPr/>
-        <p:nvPr/>
-      </p:nvGrpSpPr>
-      <p:grpSpPr>
-        <a:xfrm>
-          <a:off x="0" y="0"/>
-          <a:ext cx="0" cy="0"/>
-          <a:chOff x="0" y="0"/>
-          <a:chExt cx="0" cy="0"/>
-        </a:xfrm>
-      </p:grpSpPr>
-      <p:pic>
-        <p:nvPicPr>
-          <p:cNvPr id="2" name="Picture 13" descr="C:\Users\Tim\Pictures\presentation graphics\mvc getting started\php_logo.png"/>
-          <p:cNvPicPr>
-            <a:picLocks noChangeAspect="1" noChangeArrowheads="1"/>
-          </p:cNvPicPr>
-          <p:nvPr/>
-        </p:nvPicPr>
-        <p:blipFill>
-          <a:blip r:embed="rId3"/>
-          <a:srcRect/>
-          <a:stretch>
-            <a:fillRect/>
-          </a:stretch>
-        </p:blipFill>
-        <p:spPr bwMode="auto">
-          <a:xfrm>
-            <a:off x="533400" y="609600"/>
-            <a:ext cx="3617088" cy="1905000"/>
-          </a:xfrm>
-          <a:prstGeom prst="rect">
-            <a:avLst/>
-          </a:prstGeom>
-          <a:noFill/>
-        </p:spPr>
-      </p:pic>
-      <p:pic>
-        <p:nvPicPr>
-          <p:cNvPr id="3" name="Picture 14" descr="C:\Users\Tim\Pictures\presentation graphics\mvc getting started\cake-logo.png"/>
-          <p:cNvPicPr>
-            <a:picLocks noChangeAspect="1" noChangeArrowheads="1"/>
-          </p:cNvPicPr>
-          <p:nvPr/>
-        </p:nvPicPr>
-        <p:blipFill>
-          <a:blip r:embed="rId4"/>
-          <a:srcRect/>
-          <a:stretch>
-            <a:fillRect/>
-          </a:stretch>
-        </p:blipFill>
-        <p:spPr bwMode="auto">
-          <a:xfrm>
-            <a:off x="6019800" y="1295400"/>
-            <a:ext cx="1905000" cy="1905000"/>
-          </a:xfrm>
-          <a:prstGeom prst="rect">
-            <a:avLst/>
-          </a:prstGeom>
-          <a:noFill/>
-        </p:spPr>
-      </p:pic>
-      <p:pic>
-        <p:nvPicPr>
-          <p:cNvPr id="4" name="Picture 15" descr="C:\Users\Tim\Pictures\presentation graphics\mvc getting started\zend_framework_logo.png"/>
-          <p:cNvPicPr>
-            <a:picLocks noChangeAspect="1" noChangeArrowheads="1"/>
-          </p:cNvPicPr>
-          <p:nvPr/>
-        </p:nvPicPr>
-        <p:blipFill>
-          <a:blip r:embed="rId5"/>
-          <a:srcRect/>
-          <a:stretch>
-            <a:fillRect/>
-          </a:stretch>
-        </p:blipFill>
-        <p:spPr bwMode="auto">
-          <a:xfrm>
-            <a:off x="6096000" y="3657600"/>
-            <a:ext cx="2362200" cy="1240383"/>
           </a:xfrm>
           <a:prstGeom prst="rect">
             <a:avLst/>
